--- a/Slides/Fall2020 Slides/23_FPGA.pptx
+++ b/Slides/Fall2020 Slides/23_FPGA.pptx
@@ -523,7 +523,7 @@
         <p:nvSpPr>
           <p:cNvPr id="9220" name="Rectangle 4"/>
           <p:cNvSpPr>
-            <a:spLocks noChangeArrowheads="1" noTextEdit="1"/>
+            <a:spLocks noGrp="1" noRot="1" noChangeAspect="1" noChangeArrowheads="1" noTextEdit="1"/>
           </p:cNvSpPr>
           <p:nvPr>
             <p:ph type="sldImg" idx="2"/>
@@ -594,35 +594,35 @@
           <a:p>
             <a:pPr lvl="0"/>
             <a:r>
-              <a:rPr lang="en-US" noProof="0" smtClean="0"/>
+              <a:rPr lang="en-US" noProof="0"/>
               <a:t>Click to edit Master text styles</a:t>
             </a:r>
           </a:p>
           <a:p>
             <a:pPr lvl="1"/>
             <a:r>
-              <a:rPr lang="en-US" noProof="0" smtClean="0"/>
+              <a:rPr lang="en-US" noProof="0"/>
               <a:t>Second level</a:t>
             </a:r>
           </a:p>
           <a:p>
             <a:pPr lvl="2"/>
             <a:r>
-              <a:rPr lang="en-US" noProof="0" smtClean="0"/>
+              <a:rPr lang="en-US" noProof="0"/>
               <a:t>Third level</a:t>
             </a:r>
           </a:p>
           <a:p>
             <a:pPr lvl="3"/>
             <a:r>
-              <a:rPr lang="en-US" noProof="0" smtClean="0"/>
+              <a:rPr lang="en-US" noProof="0"/>
               <a:t>Fourth level</a:t>
             </a:r>
           </a:p>
           <a:p>
             <a:pPr lvl="4"/>
             <a:r>
-              <a:rPr lang="en-US" noProof="0" smtClean="0"/>
+              <a:rPr lang="en-US" noProof="0"/>
               <a:t>Fifth level</a:t>
             </a:r>
           </a:p>
@@ -1051,7 +1051,7 @@
               </a:pPr>
               <a:t>1</a:t>
             </a:fld>
-            <a:endParaRPr lang="en-US" altLang="fa-IR" smtClean="0">
+            <a:endParaRPr lang="en-US" altLang="fa-IR">
               <a:cs typeface="Lotus" panose="00000400000000000000" pitchFamily="2" charset="-78"/>
             </a:endParaRPr>
           </a:p>
@@ -1061,7 +1061,7 @@
         <p:nvSpPr>
           <p:cNvPr id="12291" name="Rectangle 2"/>
           <p:cNvSpPr>
-            <a:spLocks noChangeArrowheads="1" noTextEdit="1"/>
+            <a:spLocks noGrp="1" noRot="1" noChangeAspect="1" noChangeArrowheads="1" noTextEdit="1"/>
           </p:cNvSpPr>
           <p:nvPr>
             <p:ph type="sldImg"/>
@@ -1109,7 +1109,7 @@
           <a:lstStyle/>
           <a:p>
             <a:pPr eaLnBrk="1" hangingPunct="1"/>
-            <a:endParaRPr lang="fa-IR" altLang="fa-IR" smtClean="0"/>
+            <a:endParaRPr lang="fa-IR" altLang="fa-IR"/>
           </a:p>
         </p:txBody>
       </p:sp>
@@ -1194,7 +1194,7 @@
           <a:bodyPr/>
           <a:lstStyle/>
           <a:p>
-            <a:endParaRPr lang="fa-IR" altLang="fa-IR" smtClean="0"/>
+            <a:endParaRPr lang="fa-IR" altLang="fa-IR"/>
           </a:p>
         </p:txBody>
       </p:sp>
@@ -1372,7 +1372,7 @@
               </a:pPr>
               <a:t>10</a:t>
             </a:fld>
-            <a:endParaRPr lang="en-US" altLang="fa-IR" smtClean="0">
+            <a:endParaRPr lang="en-US" altLang="fa-IR">
               <a:cs typeface="Lotus" panose="00000400000000000000" pitchFamily="2" charset="-78"/>
             </a:endParaRPr>
           </a:p>
@@ -1582,7 +1582,7 @@
               </a:pPr>
               <a:t>11</a:t>
             </a:fld>
-            <a:endParaRPr lang="en-US" altLang="fa-IR" smtClean="0">
+            <a:endParaRPr lang="en-US" altLang="fa-IR">
               <a:cs typeface="Lotus" panose="00000400000000000000" pitchFamily="2" charset="-78"/>
             </a:endParaRPr>
           </a:p>
@@ -1592,7 +1592,7 @@
         <p:nvSpPr>
           <p:cNvPr id="32771" name="Rectangle 2"/>
           <p:cNvSpPr>
-            <a:spLocks noChangeArrowheads="1" noTextEdit="1"/>
+            <a:spLocks noGrp="1" noRot="1" noChangeAspect="1" noChangeArrowheads="1" noTextEdit="1"/>
           </p:cNvSpPr>
           <p:nvPr>
             <p:ph type="sldImg"/>
@@ -1640,7 +1640,7 @@
           <a:lstStyle/>
           <a:p>
             <a:pPr eaLnBrk="1" hangingPunct="1"/>
-            <a:endParaRPr lang="fa-IR" altLang="fa-IR" smtClean="0"/>
+            <a:endParaRPr lang="fa-IR" altLang="fa-IR"/>
           </a:p>
         </p:txBody>
       </p:sp>
@@ -1848,7 +1848,7 @@
               </a:pPr>
               <a:t>12</a:t>
             </a:fld>
-            <a:endParaRPr lang="en-US" altLang="fa-IR" smtClean="0">
+            <a:endParaRPr lang="en-US" altLang="fa-IR">
               <a:cs typeface="Arial" panose="020B0604020202020204" pitchFamily="34" charset="0"/>
             </a:endParaRPr>
           </a:p>
@@ -1858,7 +1858,7 @@
         <p:nvSpPr>
           <p:cNvPr id="34819" name="Rectangle 2"/>
           <p:cNvSpPr>
-            <a:spLocks noRot="1" noChangeArrowheads="1" noTextEdit="1"/>
+            <a:spLocks noGrp="1" noRot="1" noChangeAspect="1" noChangeArrowheads="1" noTextEdit="1"/>
           </p:cNvSpPr>
           <p:nvPr>
             <p:ph type="sldImg"/>
@@ -1906,7 +1906,7 @@
           <a:lstStyle/>
           <a:p>
             <a:pPr eaLnBrk="1" hangingPunct="1"/>
-            <a:endParaRPr lang="fa-IR" altLang="fa-IR" smtClean="0">
+            <a:endParaRPr lang="fa-IR" altLang="fa-IR">
               <a:cs typeface="Arial" panose="020B0604020202020204" pitchFamily="34" charset="0"/>
             </a:endParaRPr>
           </a:p>
@@ -2116,7 +2116,7 @@
               </a:pPr>
               <a:t>13</a:t>
             </a:fld>
-            <a:endParaRPr lang="en-US" altLang="fa-IR" smtClean="0">
+            <a:endParaRPr lang="en-US" altLang="fa-IR">
               <a:cs typeface="Lotus" panose="00000400000000000000" pitchFamily="2" charset="-78"/>
             </a:endParaRPr>
           </a:p>
@@ -2126,7 +2126,7 @@
         <p:nvSpPr>
           <p:cNvPr id="36867" name="Rectangle 2"/>
           <p:cNvSpPr>
-            <a:spLocks noRot="1" noChangeArrowheads="1" noTextEdit="1"/>
+            <a:spLocks noGrp="1" noRot="1" noChangeAspect="1" noChangeArrowheads="1" noTextEdit="1"/>
           </p:cNvSpPr>
           <p:nvPr>
             <p:ph type="sldImg"/>
@@ -2174,7 +2174,7 @@
           <a:lstStyle/>
           <a:p>
             <a:pPr eaLnBrk="1" hangingPunct="1"/>
-            <a:endParaRPr lang="fa-IR" altLang="fa-IR" smtClean="0"/>
+            <a:endParaRPr lang="fa-IR" altLang="fa-IR"/>
           </a:p>
         </p:txBody>
       </p:sp>
@@ -2382,7 +2382,7 @@
               </a:pPr>
               <a:t>14</a:t>
             </a:fld>
-            <a:endParaRPr lang="en-US" altLang="fa-IR" smtClean="0">
+            <a:endParaRPr lang="en-US" altLang="fa-IR">
               <a:cs typeface="Lotus" panose="00000400000000000000" pitchFamily="2" charset="-78"/>
             </a:endParaRPr>
           </a:p>
@@ -2392,7 +2392,7 @@
         <p:nvSpPr>
           <p:cNvPr id="38915" name="Rectangle 2"/>
           <p:cNvSpPr>
-            <a:spLocks noChangeArrowheads="1" noTextEdit="1"/>
+            <a:spLocks noGrp="1" noRot="1" noChangeAspect="1" noChangeArrowheads="1" noTextEdit="1"/>
           </p:cNvSpPr>
           <p:nvPr>
             <p:ph type="sldImg"/>
@@ -2440,7 +2440,7 @@
           <a:lstStyle/>
           <a:p>
             <a:pPr eaLnBrk="1" hangingPunct="1"/>
-            <a:endParaRPr lang="fa-IR" altLang="fa-IR" smtClean="0"/>
+            <a:endParaRPr lang="fa-IR" altLang="fa-IR"/>
           </a:p>
         </p:txBody>
       </p:sp>
@@ -2648,7 +2648,7 @@
               </a:pPr>
               <a:t>15</a:t>
             </a:fld>
-            <a:endParaRPr lang="en-US" altLang="fa-IR" smtClean="0">
+            <a:endParaRPr lang="en-US" altLang="fa-IR">
               <a:cs typeface="Lotus" panose="00000400000000000000" pitchFamily="2" charset="-78"/>
             </a:endParaRPr>
           </a:p>
@@ -2658,7 +2658,7 @@
         <p:nvSpPr>
           <p:cNvPr id="40963" name="Rectangle 2"/>
           <p:cNvSpPr>
-            <a:spLocks noChangeArrowheads="1" noTextEdit="1"/>
+            <a:spLocks noGrp="1" noRot="1" noChangeAspect="1" noChangeArrowheads="1" noTextEdit="1"/>
           </p:cNvSpPr>
           <p:nvPr>
             <p:ph type="sldImg"/>
@@ -2706,7 +2706,7 @@
           <a:lstStyle/>
           <a:p>
             <a:pPr eaLnBrk="1" hangingPunct="1"/>
-            <a:endParaRPr lang="fa-IR" altLang="fa-IR" smtClean="0"/>
+            <a:endParaRPr lang="fa-IR" altLang="fa-IR"/>
           </a:p>
         </p:txBody>
       </p:sp>
@@ -2914,7 +2914,7 @@
               </a:pPr>
               <a:t>16</a:t>
             </a:fld>
-            <a:endParaRPr lang="en-US" altLang="fa-IR" smtClean="0">
+            <a:endParaRPr lang="en-US" altLang="fa-IR">
               <a:cs typeface="Lotus" panose="00000400000000000000" pitchFamily="2" charset="-78"/>
             </a:endParaRPr>
           </a:p>
@@ -2924,7 +2924,7 @@
         <p:nvSpPr>
           <p:cNvPr id="43011" name="Rectangle 2"/>
           <p:cNvSpPr>
-            <a:spLocks noChangeArrowheads="1" noTextEdit="1"/>
+            <a:spLocks noGrp="1" noRot="1" noChangeAspect="1" noChangeArrowheads="1" noTextEdit="1"/>
           </p:cNvSpPr>
           <p:nvPr>
             <p:ph type="sldImg"/>
@@ -2972,7 +2972,7 @@
           <a:lstStyle/>
           <a:p>
             <a:pPr eaLnBrk="1" hangingPunct="1"/>
-            <a:endParaRPr lang="fa-IR" altLang="fa-IR" smtClean="0"/>
+            <a:endParaRPr lang="fa-IR" altLang="fa-IR"/>
           </a:p>
         </p:txBody>
       </p:sp>
@@ -3057,7 +3057,7 @@
           <a:bodyPr/>
           <a:lstStyle/>
           <a:p>
-            <a:endParaRPr lang="fa-IR" altLang="fa-IR" smtClean="0"/>
+            <a:endParaRPr lang="fa-IR" altLang="fa-IR"/>
           </a:p>
         </p:txBody>
       </p:sp>
@@ -3235,7 +3235,7 @@
               </a:pPr>
               <a:t>17</a:t>
             </a:fld>
-            <a:endParaRPr lang="en-US" altLang="fa-IR" smtClean="0">
+            <a:endParaRPr lang="en-US" altLang="fa-IR">
               <a:cs typeface="Lotus" panose="00000400000000000000" pitchFamily="2" charset="-78"/>
             </a:endParaRPr>
           </a:p>
@@ -3445,7 +3445,7 @@
               </a:pPr>
               <a:t>2</a:t>
             </a:fld>
-            <a:endParaRPr lang="en-US" altLang="fa-IR" smtClean="0">
+            <a:endParaRPr lang="en-US" altLang="fa-IR">
               <a:cs typeface="Lotus" panose="00000400000000000000" pitchFamily="2" charset="-78"/>
             </a:endParaRPr>
           </a:p>
@@ -3455,7 +3455,7 @@
         <p:nvSpPr>
           <p:cNvPr id="14339" name="Rectangle 2"/>
           <p:cNvSpPr>
-            <a:spLocks noChangeArrowheads="1" noTextEdit="1"/>
+            <a:spLocks noGrp="1" noRot="1" noChangeAspect="1" noChangeArrowheads="1" noTextEdit="1"/>
           </p:cNvSpPr>
           <p:nvPr>
             <p:ph type="sldImg"/>
@@ -3503,7 +3503,7 @@
           <a:lstStyle/>
           <a:p>
             <a:pPr eaLnBrk="1" hangingPunct="1"/>
-            <a:endParaRPr lang="fa-IR" altLang="fa-IR" smtClean="0"/>
+            <a:endParaRPr lang="fa-IR" altLang="fa-IR"/>
           </a:p>
         </p:txBody>
       </p:sp>
@@ -3711,7 +3711,7 @@
               </a:pPr>
               <a:t>3</a:t>
             </a:fld>
-            <a:endParaRPr lang="en-US" altLang="fa-IR" smtClean="0">
+            <a:endParaRPr lang="en-US" altLang="fa-IR">
               <a:cs typeface="Lotus" panose="00000400000000000000" pitchFamily="2" charset="-78"/>
             </a:endParaRPr>
           </a:p>
@@ -3721,7 +3721,7 @@
         <p:nvSpPr>
           <p:cNvPr id="16387" name="Rectangle 2"/>
           <p:cNvSpPr>
-            <a:spLocks noChangeArrowheads="1" noTextEdit="1"/>
+            <a:spLocks noGrp="1" noRot="1" noChangeAspect="1" noChangeArrowheads="1" noTextEdit="1"/>
           </p:cNvSpPr>
           <p:nvPr>
             <p:ph type="sldImg"/>
@@ -3769,7 +3769,7 @@
           <a:lstStyle/>
           <a:p>
             <a:pPr eaLnBrk="1" hangingPunct="1"/>
-            <a:endParaRPr lang="fa-IR" altLang="fa-IR" smtClean="0"/>
+            <a:endParaRPr lang="fa-IR" altLang="fa-IR"/>
           </a:p>
         </p:txBody>
       </p:sp>
@@ -3977,7 +3977,7 @@
               </a:pPr>
               <a:t>4</a:t>
             </a:fld>
-            <a:endParaRPr lang="en-US" altLang="fa-IR" smtClean="0">
+            <a:endParaRPr lang="en-US" altLang="fa-IR">
               <a:cs typeface="Lotus" panose="00000400000000000000" pitchFamily="2" charset="-78"/>
             </a:endParaRPr>
           </a:p>
@@ -3987,7 +3987,7 @@
         <p:nvSpPr>
           <p:cNvPr id="18435" name="Rectangle 2"/>
           <p:cNvSpPr>
-            <a:spLocks noChangeArrowheads="1" noTextEdit="1"/>
+            <a:spLocks noGrp="1" noRot="1" noChangeAspect="1" noChangeArrowheads="1" noTextEdit="1"/>
           </p:cNvSpPr>
           <p:nvPr>
             <p:ph type="sldImg"/>
@@ -4035,7 +4035,7 @@
           <a:lstStyle/>
           <a:p>
             <a:pPr eaLnBrk="1" hangingPunct="1"/>
-            <a:endParaRPr lang="fa-IR" altLang="fa-IR" smtClean="0"/>
+            <a:endParaRPr lang="fa-IR" altLang="fa-IR"/>
           </a:p>
         </p:txBody>
       </p:sp>
@@ -4243,7 +4243,7 @@
               </a:pPr>
               <a:t>5</a:t>
             </a:fld>
-            <a:endParaRPr lang="en-US" altLang="fa-IR" smtClean="0">
+            <a:endParaRPr lang="en-US" altLang="fa-IR">
               <a:cs typeface="Lotus" panose="00000400000000000000" pitchFamily="2" charset="-78"/>
             </a:endParaRPr>
           </a:p>
@@ -4253,7 +4253,7 @@
         <p:nvSpPr>
           <p:cNvPr id="20483" name="Rectangle 2"/>
           <p:cNvSpPr>
-            <a:spLocks noChangeArrowheads="1" noTextEdit="1"/>
+            <a:spLocks noGrp="1" noRot="1" noChangeAspect="1" noChangeArrowheads="1" noTextEdit="1"/>
           </p:cNvSpPr>
           <p:nvPr>
             <p:ph type="sldImg"/>
@@ -4301,7 +4301,7 @@
           <a:lstStyle/>
           <a:p>
             <a:pPr eaLnBrk="1" hangingPunct="1"/>
-            <a:endParaRPr lang="fa-IR" altLang="fa-IR" smtClean="0"/>
+            <a:endParaRPr lang="fa-IR" altLang="fa-IR"/>
           </a:p>
         </p:txBody>
       </p:sp>
@@ -4509,7 +4509,7 @@
               </a:pPr>
               <a:t>6</a:t>
             </a:fld>
-            <a:endParaRPr lang="en-US" altLang="fa-IR" smtClean="0">
+            <a:endParaRPr lang="en-US" altLang="fa-IR">
               <a:cs typeface="Lotus" panose="00000400000000000000" pitchFamily="2" charset="-78"/>
             </a:endParaRPr>
           </a:p>
@@ -4519,7 +4519,7 @@
         <p:nvSpPr>
           <p:cNvPr id="22531" name="Rectangle 2"/>
           <p:cNvSpPr>
-            <a:spLocks noChangeArrowheads="1" noTextEdit="1"/>
+            <a:spLocks noGrp="1" noRot="1" noChangeAspect="1" noChangeArrowheads="1" noTextEdit="1"/>
           </p:cNvSpPr>
           <p:nvPr>
             <p:ph type="sldImg"/>
@@ -4567,7 +4567,7 @@
           <a:lstStyle/>
           <a:p>
             <a:pPr eaLnBrk="1" hangingPunct="1"/>
-            <a:endParaRPr lang="fa-IR" altLang="fa-IR" smtClean="0"/>
+            <a:endParaRPr lang="fa-IR" altLang="fa-IR"/>
           </a:p>
         </p:txBody>
       </p:sp>
@@ -4775,7 +4775,7 @@
               </a:pPr>
               <a:t>7</a:t>
             </a:fld>
-            <a:endParaRPr lang="en-US" altLang="fa-IR" smtClean="0">
+            <a:endParaRPr lang="en-US" altLang="fa-IR">
               <a:cs typeface="Lotus" panose="00000400000000000000" pitchFamily="2" charset="-78"/>
             </a:endParaRPr>
           </a:p>
@@ -4785,7 +4785,7 @@
         <p:nvSpPr>
           <p:cNvPr id="24579" name="Rectangle 2"/>
           <p:cNvSpPr>
-            <a:spLocks noChangeArrowheads="1" noTextEdit="1"/>
+            <a:spLocks noGrp="1" noRot="1" noChangeAspect="1" noChangeArrowheads="1" noTextEdit="1"/>
           </p:cNvSpPr>
           <p:nvPr>
             <p:ph type="sldImg"/>
@@ -4833,7 +4833,7 @@
           <a:lstStyle/>
           <a:p>
             <a:pPr eaLnBrk="1" hangingPunct="1"/>
-            <a:endParaRPr lang="fa-IR" altLang="fa-IR" smtClean="0"/>
+            <a:endParaRPr lang="fa-IR" altLang="fa-IR"/>
           </a:p>
         </p:txBody>
       </p:sp>
@@ -4918,7 +4918,7 @@
           <a:bodyPr/>
           <a:lstStyle/>
           <a:p>
-            <a:endParaRPr lang="fa-IR" altLang="fa-IR" smtClean="0"/>
+            <a:endParaRPr lang="fa-IR" altLang="fa-IR"/>
           </a:p>
         </p:txBody>
       </p:sp>
@@ -5096,7 +5096,7 @@
               </a:pPr>
               <a:t>8</a:t>
             </a:fld>
-            <a:endParaRPr lang="en-US" altLang="fa-IR" smtClean="0">
+            <a:endParaRPr lang="en-US" altLang="fa-IR">
               <a:cs typeface="Lotus" panose="00000400000000000000" pitchFamily="2" charset="-78"/>
             </a:endParaRPr>
           </a:p>
@@ -5306,7 +5306,7 @@
               </a:pPr>
               <a:t>9</a:t>
             </a:fld>
-            <a:endParaRPr lang="en-US" altLang="fa-IR" smtClean="0">
+            <a:endParaRPr lang="en-US" altLang="fa-IR">
               <a:cs typeface="Lotus" panose="00000400000000000000" pitchFamily="2" charset="-78"/>
             </a:endParaRPr>
           </a:p>
@@ -5316,7 +5316,7 @@
         <p:nvSpPr>
           <p:cNvPr id="28675" name="Rectangle 2"/>
           <p:cNvSpPr>
-            <a:spLocks noChangeArrowheads="1" noTextEdit="1"/>
+            <a:spLocks noGrp="1" noRot="1" noChangeAspect="1" noChangeArrowheads="1" noTextEdit="1"/>
           </p:cNvSpPr>
           <p:nvPr>
             <p:ph type="sldImg"/>
@@ -5364,7 +5364,7 @@
           <a:lstStyle/>
           <a:p>
             <a:pPr eaLnBrk="1" hangingPunct="1"/>
-            <a:endParaRPr lang="fa-IR" altLang="fa-IR" smtClean="0"/>
+            <a:endParaRPr lang="fa-IR" altLang="fa-IR"/>
           </a:p>
         </p:txBody>
       </p:sp>
@@ -5419,10 +5419,9 @@
           <a:lstStyle/>
           <a:p>
             <a:r>
-              <a:rPr lang="en-US" smtClean="0"/>
+              <a:rPr lang="en-US"/>
               <a:t>Click to edit Master title style</a:t>
             </a:r>
-            <a:endParaRPr lang="en-US"/>
           </a:p>
         </p:txBody>
       </p:sp>
@@ -5484,10 +5483,9 @@
           </a:lstStyle>
           <a:p>
             <a:r>
-              <a:rPr lang="en-US" smtClean="0"/>
+              <a:rPr lang="en-US"/>
               <a:t>Click to edit Master subtitle style</a:t>
             </a:r>
-            <a:endParaRPr lang="en-US"/>
           </a:p>
         </p:txBody>
       </p:sp>
@@ -5634,10 +5632,9 @@
           <a:lstStyle/>
           <a:p>
             <a:r>
-              <a:rPr lang="en-US" smtClean="0"/>
+              <a:rPr lang="en-US"/>
               <a:t>Click to edit Master title style</a:t>
             </a:r>
-            <a:endParaRPr lang="en-US"/>
           </a:p>
         </p:txBody>
       </p:sp>
@@ -5658,38 +5655,37 @@
           <a:p>
             <a:pPr lvl="0"/>
             <a:r>
-              <a:rPr lang="en-US" smtClean="0"/>
+              <a:rPr lang="en-US"/>
               <a:t>Click to edit Master text styles</a:t>
             </a:r>
           </a:p>
           <a:p>
             <a:pPr lvl="1"/>
             <a:r>
-              <a:rPr lang="en-US" smtClean="0"/>
+              <a:rPr lang="en-US"/>
               <a:t>Second level</a:t>
             </a:r>
           </a:p>
           <a:p>
             <a:pPr lvl="2"/>
             <a:r>
-              <a:rPr lang="en-US" smtClean="0"/>
+              <a:rPr lang="en-US"/>
               <a:t>Third level</a:t>
             </a:r>
           </a:p>
           <a:p>
             <a:pPr lvl="3"/>
             <a:r>
-              <a:rPr lang="en-US" smtClean="0"/>
+              <a:rPr lang="en-US"/>
               <a:t>Fourth level</a:t>
             </a:r>
           </a:p>
           <a:p>
             <a:pPr lvl="4"/>
             <a:r>
-              <a:rPr lang="en-US" smtClean="0"/>
+              <a:rPr lang="en-US"/>
               <a:t>Fifth level</a:t>
             </a:r>
-            <a:endParaRPr lang="en-US"/>
           </a:p>
         </p:txBody>
       </p:sp>
@@ -5841,10 +5837,9 @@
           <a:lstStyle/>
           <a:p>
             <a:r>
-              <a:rPr lang="en-US" smtClean="0"/>
+              <a:rPr lang="en-US"/>
               <a:t>Click to edit Master title style</a:t>
             </a:r>
-            <a:endParaRPr lang="en-US"/>
           </a:p>
         </p:txBody>
       </p:sp>
@@ -5870,38 +5865,37 @@
           <a:p>
             <a:pPr lvl="0"/>
             <a:r>
-              <a:rPr lang="en-US" smtClean="0"/>
+              <a:rPr lang="en-US"/>
               <a:t>Click to edit Master text styles</a:t>
             </a:r>
           </a:p>
           <a:p>
             <a:pPr lvl="1"/>
             <a:r>
-              <a:rPr lang="en-US" smtClean="0"/>
+              <a:rPr lang="en-US"/>
               <a:t>Second level</a:t>
             </a:r>
           </a:p>
           <a:p>
             <a:pPr lvl="2"/>
             <a:r>
-              <a:rPr lang="en-US" smtClean="0"/>
+              <a:rPr lang="en-US"/>
               <a:t>Third level</a:t>
             </a:r>
           </a:p>
           <a:p>
             <a:pPr lvl="3"/>
             <a:r>
-              <a:rPr lang="en-US" smtClean="0"/>
+              <a:rPr lang="en-US"/>
               <a:t>Fourth level</a:t>
             </a:r>
           </a:p>
           <a:p>
             <a:pPr lvl="4"/>
             <a:r>
-              <a:rPr lang="en-US" smtClean="0"/>
+              <a:rPr lang="en-US"/>
               <a:t>Fifth level</a:t>
             </a:r>
-            <a:endParaRPr lang="en-US"/>
           </a:p>
         </p:txBody>
       </p:sp>
@@ -6048,10 +6042,9 @@
           <a:lstStyle/>
           <a:p>
             <a:r>
-              <a:rPr lang="en-US" smtClean="0"/>
+              <a:rPr lang="en-US"/>
               <a:t>Click to edit Master title style</a:t>
             </a:r>
-            <a:endParaRPr lang="en-US"/>
           </a:p>
         </p:txBody>
       </p:sp>
@@ -6072,38 +6065,37 @@
           <a:p>
             <a:pPr lvl="0"/>
             <a:r>
-              <a:rPr lang="en-US" smtClean="0"/>
+              <a:rPr lang="en-US"/>
               <a:t>Click to edit Master text styles</a:t>
             </a:r>
           </a:p>
           <a:p>
             <a:pPr lvl="1"/>
             <a:r>
-              <a:rPr lang="en-US" smtClean="0"/>
+              <a:rPr lang="en-US"/>
               <a:t>Second level</a:t>
             </a:r>
           </a:p>
           <a:p>
             <a:pPr lvl="2"/>
             <a:r>
-              <a:rPr lang="en-US" smtClean="0"/>
+              <a:rPr lang="en-US"/>
               <a:t>Third level</a:t>
             </a:r>
           </a:p>
           <a:p>
             <a:pPr lvl="3"/>
             <a:r>
-              <a:rPr lang="en-US" smtClean="0"/>
+              <a:rPr lang="en-US"/>
               <a:t>Fourth level</a:t>
             </a:r>
           </a:p>
           <a:p>
             <a:pPr lvl="4"/>
             <a:r>
-              <a:rPr lang="en-US" smtClean="0"/>
+              <a:rPr lang="en-US"/>
               <a:t>Fifth level</a:t>
             </a:r>
-            <a:endParaRPr lang="en-US"/>
           </a:p>
         </p:txBody>
       </p:sp>
@@ -6259,10 +6251,9 @@
           </a:lstStyle>
           <a:p>
             <a:r>
-              <a:rPr lang="en-US" smtClean="0"/>
+              <a:rPr lang="en-US"/>
               <a:t>Click to edit Master title style</a:t>
             </a:r>
-            <a:endParaRPr lang="en-US"/>
           </a:p>
         </p:txBody>
       </p:sp>
@@ -6325,7 +6316,7 @@
           <a:p>
             <a:pPr lvl="0"/>
             <a:r>
-              <a:rPr lang="en-US" smtClean="0"/>
+              <a:rPr lang="en-US"/>
               <a:t>Click to edit Master text styles</a:t>
             </a:r>
           </a:p>
@@ -6474,10 +6465,9 @@
           <a:lstStyle/>
           <a:p>
             <a:r>
-              <a:rPr lang="en-US" smtClean="0"/>
+              <a:rPr lang="en-US"/>
               <a:t>Click to edit Master title style</a:t>
             </a:r>
-            <a:endParaRPr lang="en-US"/>
           </a:p>
         </p:txBody>
       </p:sp>
@@ -6531,38 +6521,37 @@
           <a:p>
             <a:pPr lvl="0"/>
             <a:r>
-              <a:rPr lang="en-US" smtClean="0"/>
+              <a:rPr lang="en-US"/>
               <a:t>Click to edit Master text styles</a:t>
             </a:r>
           </a:p>
           <a:p>
             <a:pPr lvl="1"/>
             <a:r>
-              <a:rPr lang="en-US" smtClean="0"/>
+              <a:rPr lang="en-US"/>
               <a:t>Second level</a:t>
             </a:r>
           </a:p>
           <a:p>
             <a:pPr lvl="2"/>
             <a:r>
-              <a:rPr lang="en-US" smtClean="0"/>
+              <a:rPr lang="en-US"/>
               <a:t>Third level</a:t>
             </a:r>
           </a:p>
           <a:p>
             <a:pPr lvl="3"/>
             <a:r>
-              <a:rPr lang="en-US" smtClean="0"/>
+              <a:rPr lang="en-US"/>
               <a:t>Fourth level</a:t>
             </a:r>
           </a:p>
           <a:p>
             <a:pPr lvl="4"/>
             <a:r>
-              <a:rPr lang="en-US" smtClean="0"/>
+              <a:rPr lang="en-US"/>
               <a:t>Fifth level</a:t>
             </a:r>
-            <a:endParaRPr lang="en-US"/>
           </a:p>
         </p:txBody>
       </p:sp>
@@ -6616,38 +6605,37 @@
           <a:p>
             <a:pPr lvl="0"/>
             <a:r>
-              <a:rPr lang="en-US" smtClean="0"/>
+              <a:rPr lang="en-US"/>
               <a:t>Click to edit Master text styles</a:t>
             </a:r>
           </a:p>
           <a:p>
             <a:pPr lvl="1"/>
             <a:r>
-              <a:rPr lang="en-US" smtClean="0"/>
+              <a:rPr lang="en-US"/>
               <a:t>Second level</a:t>
             </a:r>
           </a:p>
           <a:p>
             <a:pPr lvl="2"/>
             <a:r>
-              <a:rPr lang="en-US" smtClean="0"/>
+              <a:rPr lang="en-US"/>
               <a:t>Third level</a:t>
             </a:r>
           </a:p>
           <a:p>
             <a:pPr lvl="3"/>
             <a:r>
-              <a:rPr lang="en-US" smtClean="0"/>
+              <a:rPr lang="en-US"/>
               <a:t>Fourth level</a:t>
             </a:r>
           </a:p>
           <a:p>
             <a:pPr lvl="4"/>
             <a:r>
-              <a:rPr lang="en-US" smtClean="0"/>
+              <a:rPr lang="en-US"/>
               <a:t>Fifth level</a:t>
             </a:r>
-            <a:endParaRPr lang="en-US"/>
           </a:p>
         </p:txBody>
       </p:sp>
@@ -6803,10 +6791,9 @@
           </a:lstStyle>
           <a:p>
             <a:r>
-              <a:rPr lang="en-US" smtClean="0"/>
+              <a:rPr lang="en-US"/>
               <a:t>Click to edit Master title style</a:t>
             </a:r>
-            <a:endParaRPr lang="en-US"/>
           </a:p>
         </p:txBody>
       </p:sp>
@@ -6869,7 +6856,7 @@
           <a:p>
             <a:pPr lvl="0"/>
             <a:r>
-              <a:rPr lang="en-US" smtClean="0"/>
+              <a:rPr lang="en-US"/>
               <a:t>Click to edit Master text styles</a:t>
             </a:r>
           </a:p>
@@ -6925,38 +6912,37 @@
           <a:p>
             <a:pPr lvl="0"/>
             <a:r>
-              <a:rPr lang="en-US" smtClean="0"/>
+              <a:rPr lang="en-US"/>
               <a:t>Click to edit Master text styles</a:t>
             </a:r>
           </a:p>
           <a:p>
             <a:pPr lvl="1"/>
             <a:r>
-              <a:rPr lang="en-US" smtClean="0"/>
+              <a:rPr lang="en-US"/>
               <a:t>Second level</a:t>
             </a:r>
           </a:p>
           <a:p>
             <a:pPr lvl="2"/>
             <a:r>
-              <a:rPr lang="en-US" smtClean="0"/>
+              <a:rPr lang="en-US"/>
               <a:t>Third level</a:t>
             </a:r>
           </a:p>
           <a:p>
             <a:pPr lvl="3"/>
             <a:r>
-              <a:rPr lang="en-US" smtClean="0"/>
+              <a:rPr lang="en-US"/>
               <a:t>Fourth level</a:t>
             </a:r>
           </a:p>
           <a:p>
             <a:pPr lvl="4"/>
             <a:r>
-              <a:rPr lang="en-US" smtClean="0"/>
+              <a:rPr lang="en-US"/>
               <a:t>Fifth level</a:t>
             </a:r>
-            <a:endParaRPr lang="en-US"/>
           </a:p>
         </p:txBody>
       </p:sp>
@@ -7019,7 +7005,7 @@
           <a:p>
             <a:pPr lvl="0"/>
             <a:r>
-              <a:rPr lang="en-US" smtClean="0"/>
+              <a:rPr lang="en-US"/>
               <a:t>Click to edit Master text styles</a:t>
             </a:r>
           </a:p>
@@ -7075,38 +7061,37 @@
           <a:p>
             <a:pPr lvl="0"/>
             <a:r>
-              <a:rPr lang="en-US" smtClean="0"/>
+              <a:rPr lang="en-US"/>
               <a:t>Click to edit Master text styles</a:t>
             </a:r>
           </a:p>
           <a:p>
             <a:pPr lvl="1"/>
             <a:r>
-              <a:rPr lang="en-US" smtClean="0"/>
+              <a:rPr lang="en-US"/>
               <a:t>Second level</a:t>
             </a:r>
           </a:p>
           <a:p>
             <a:pPr lvl="2"/>
             <a:r>
-              <a:rPr lang="en-US" smtClean="0"/>
+              <a:rPr lang="en-US"/>
               <a:t>Third level</a:t>
             </a:r>
           </a:p>
           <a:p>
             <a:pPr lvl="3"/>
             <a:r>
-              <a:rPr lang="en-US" smtClean="0"/>
+              <a:rPr lang="en-US"/>
               <a:t>Fourth level</a:t>
             </a:r>
           </a:p>
           <a:p>
             <a:pPr lvl="4"/>
             <a:r>
-              <a:rPr lang="en-US" smtClean="0"/>
+              <a:rPr lang="en-US"/>
               <a:t>Fifth level</a:t>
             </a:r>
-            <a:endParaRPr lang="en-US"/>
           </a:p>
         </p:txBody>
       </p:sp>
@@ -7253,10 +7238,9 @@
           <a:lstStyle/>
           <a:p>
             <a:r>
-              <a:rPr lang="en-US" smtClean="0"/>
+              <a:rPr lang="en-US"/>
               <a:t>Click to edit Master title style</a:t>
             </a:r>
-            <a:endParaRPr lang="en-US"/>
           </a:p>
         </p:txBody>
       </p:sp>
@@ -7527,10 +7511,9 @@
           </a:lstStyle>
           <a:p>
             <a:r>
-              <a:rPr lang="en-US" smtClean="0"/>
+              <a:rPr lang="en-US"/>
               <a:t>Click to edit Master title style</a:t>
             </a:r>
-            <a:endParaRPr lang="en-US"/>
           </a:p>
         </p:txBody>
       </p:sp>
@@ -7584,38 +7567,37 @@
           <a:p>
             <a:pPr lvl="0"/>
             <a:r>
-              <a:rPr lang="en-US" smtClean="0"/>
+              <a:rPr lang="en-US"/>
               <a:t>Click to edit Master text styles</a:t>
             </a:r>
           </a:p>
           <a:p>
             <a:pPr lvl="1"/>
             <a:r>
-              <a:rPr lang="en-US" smtClean="0"/>
+              <a:rPr lang="en-US"/>
               <a:t>Second level</a:t>
             </a:r>
           </a:p>
           <a:p>
             <a:pPr lvl="2"/>
             <a:r>
-              <a:rPr lang="en-US" smtClean="0"/>
+              <a:rPr lang="en-US"/>
               <a:t>Third level</a:t>
             </a:r>
           </a:p>
           <a:p>
             <a:pPr lvl="3"/>
             <a:r>
-              <a:rPr lang="en-US" smtClean="0"/>
+              <a:rPr lang="en-US"/>
               <a:t>Fourth level</a:t>
             </a:r>
           </a:p>
           <a:p>
             <a:pPr lvl="4"/>
             <a:r>
-              <a:rPr lang="en-US" smtClean="0"/>
+              <a:rPr lang="en-US"/>
               <a:t>Fifth level</a:t>
             </a:r>
-            <a:endParaRPr lang="en-US"/>
           </a:p>
         </p:txBody>
       </p:sp>
@@ -7678,7 +7660,7 @@
           <a:p>
             <a:pPr lvl="0"/>
             <a:r>
-              <a:rPr lang="en-US" smtClean="0"/>
+              <a:rPr lang="en-US"/>
               <a:t>Click to edit Master text styles</a:t>
             </a:r>
           </a:p>
@@ -7830,10 +7812,9 @@
           </a:lstStyle>
           <a:p>
             <a:r>
-              <a:rPr lang="en-US" smtClean="0"/>
+              <a:rPr lang="en-US"/>
               <a:t>Click to edit Master title style</a:t>
             </a:r>
-            <a:endParaRPr lang="en-US"/>
           </a:p>
         </p:txBody>
       </p:sp>
@@ -7895,7 +7876,7 @@
           </a:lstStyle>
           <a:p>
             <a:pPr lvl="0"/>
-            <a:endParaRPr lang="en-US" noProof="0" smtClean="0"/>
+            <a:endParaRPr lang="en-US" noProof="0"/>
           </a:p>
         </p:txBody>
       </p:sp>
@@ -7958,7 +7939,7 @@
           <a:p>
             <a:pPr lvl="0"/>
             <a:r>
-              <a:rPr lang="en-US" smtClean="0"/>
+              <a:rPr lang="en-US"/>
               <a:t>Click to edit Master text styles</a:t>
             </a:r>
           </a:p>
@@ -8145,7 +8126,7 @@
           <a:p>
             <a:pPr lvl="0"/>
             <a:r>
-              <a:rPr lang="en-US" altLang="fa-IR" smtClean="0"/>
+              <a:rPr lang="en-US" altLang="fa-IR"/>
               <a:t>Click to edit Master title style</a:t>
             </a:r>
           </a:p>
@@ -8203,35 +8184,35 @@
           <a:p>
             <a:pPr lvl="0"/>
             <a:r>
-              <a:rPr lang="en-US" altLang="fa-IR" smtClean="0"/>
+              <a:rPr lang="en-US" altLang="fa-IR"/>
               <a:t>Click to edit Master text styles</a:t>
             </a:r>
           </a:p>
           <a:p>
             <a:pPr lvl="1"/>
             <a:r>
-              <a:rPr lang="en-US" altLang="fa-IR" smtClean="0"/>
+              <a:rPr lang="en-US" altLang="fa-IR"/>
               <a:t>Second level</a:t>
             </a:r>
           </a:p>
           <a:p>
             <a:pPr lvl="2"/>
             <a:r>
-              <a:rPr lang="en-US" altLang="fa-IR" smtClean="0"/>
+              <a:rPr lang="en-US" altLang="fa-IR"/>
               <a:t>Third level</a:t>
             </a:r>
           </a:p>
           <a:p>
             <a:pPr lvl="3"/>
             <a:r>
-              <a:rPr lang="en-US" altLang="fa-IR" smtClean="0"/>
+              <a:rPr lang="en-US" altLang="fa-IR"/>
               <a:t>Fourth level</a:t>
             </a:r>
           </a:p>
           <a:p>
             <a:pPr lvl="4"/>
             <a:r>
-              <a:rPr lang="en-US" altLang="fa-IR" smtClean="0"/>
+              <a:rPr lang="en-US" altLang="fa-IR"/>
               <a:t>Fifth level</a:t>
             </a:r>
           </a:p>
@@ -9033,7 +9014,7 @@
               <a:buFontTx/>
               <a:buNone/>
             </a:pPr>
-            <a:endParaRPr lang="fa-IR" altLang="fa-IR" sz="1400" b="0" smtClean="0"/>
+            <a:endParaRPr lang="fa-IR" altLang="fa-IR" sz="1400" b="0"/>
           </a:p>
         </p:txBody>
       </p:sp>
@@ -9224,7 +9205,7 @@
               </a:pPr>
               <a:t>1</a:t>
             </a:fld>
-            <a:endParaRPr lang="en-US" altLang="fa-IR" sz="1400" b="0" smtClean="0">
+            <a:endParaRPr lang="en-US" altLang="fa-IR" sz="1400" b="0">
               <a:cs typeface="Times New Roman" panose="02020603050405020304" pitchFamily="18" charset="0"/>
             </a:endParaRPr>
           </a:p>
@@ -9252,10 +9233,10 @@
           <a:p>
             <a:pPr eaLnBrk="1" hangingPunct="1"/>
             <a:r>
-              <a:rPr lang="fa-IR" altLang="fa-IR" smtClean="0"/>
+              <a:rPr lang="fa-IR" altLang="fa-IR"/>
               <a:t>تراشه ها ي منطقي برنامه پذ ير</a:t>
             </a:r>
-            <a:endParaRPr lang="en-US" altLang="fa-IR" smtClean="0"/>
+            <a:endParaRPr lang="en-US" altLang="fa-IR"/>
           </a:p>
         </p:txBody>
       </p:sp>
@@ -9264,13 +9245,6 @@
   <p:clrMapOvr>
     <a:masterClrMapping/>
   </p:clrMapOvr>
-  <p:timing>
-    <p:tnLst>
-      <p:par>
-        <p:cTn id="1" dur="indefinite" restart="never" nodeType="tmRoot"/>
-      </p:par>
-    </p:tnLst>
-  </p:timing>
 </p:sld>
 </file>
 
@@ -9307,7 +9281,7 @@
           <a:lstStyle/>
           <a:p>
             <a:r>
-              <a:rPr lang="en-US" altLang="fa-IR" smtClean="0"/>
+              <a:rPr lang="en-US" altLang="fa-IR"/>
               <a:t>Another Type of Logic Cell</a:t>
             </a:r>
           </a:p>
@@ -9487,7 +9461,7 @@
               <a:buFontTx/>
               <a:buNone/>
             </a:pPr>
-            <a:endParaRPr lang="fa-IR" altLang="fa-IR" sz="1400" b="0" smtClean="0"/>
+            <a:endParaRPr lang="fa-IR" altLang="fa-IR" sz="1400" b="0"/>
           </a:p>
         </p:txBody>
       </p:sp>
@@ -9678,7 +9652,7 @@
               </a:pPr>
               <a:t>10</a:t>
             </a:fld>
-            <a:endParaRPr lang="en-US" altLang="fa-IR" sz="1400" b="0" smtClean="0">
+            <a:endParaRPr lang="en-US" altLang="fa-IR" sz="1400" b="0">
               <a:cs typeface="Times New Roman" panose="02020603050405020304" pitchFamily="18" charset="0"/>
             </a:endParaRPr>
           </a:p>
@@ -10889,13 +10863,6 @@
   <p:clrMapOvr>
     <a:masterClrMapping/>
   </p:clrMapOvr>
-  <p:timing>
-    <p:tnLst>
-      <p:par>
-        <p:cTn id="1" dur="indefinite" restart="never" nodeType="tmRoot"/>
-      </p:par>
-    </p:tnLst>
-  </p:timing>
 </p:sld>
 </file>
 
@@ -11090,7 +11057,7 @@
               <a:buFontTx/>
               <a:buNone/>
             </a:pPr>
-            <a:endParaRPr lang="fa-IR" altLang="fa-IR" sz="1400" b="0" smtClean="0"/>
+            <a:endParaRPr lang="fa-IR" altLang="fa-IR" sz="1400" b="0"/>
           </a:p>
         </p:txBody>
       </p:sp>
@@ -11281,7 +11248,7 @@
               </a:pPr>
               <a:t>11</a:t>
             </a:fld>
-            <a:endParaRPr lang="en-US" altLang="fa-IR" sz="1400" b="0" smtClean="0">
+            <a:endParaRPr lang="en-US" altLang="fa-IR" sz="1400" b="0">
               <a:cs typeface="Times New Roman" panose="02020603050405020304" pitchFamily="18" charset="0"/>
             </a:endParaRPr>
           </a:p>
@@ -11664,14 +11631,14 @@
           <a:p>
             <a:pPr rtl="1" eaLnBrk="1" hangingPunct="1"/>
             <a:r>
-              <a:rPr lang="en-US" altLang="fa-IR" smtClean="0"/>
+              <a:rPr lang="en-US" altLang="fa-IR"/>
               <a:t>Logic Cell</a:t>
             </a:r>
             <a:r>
-              <a:rPr lang="fa-IR" altLang="fa-IR" smtClean="0"/>
+              <a:rPr lang="fa-IR" altLang="fa-IR"/>
               <a:t> نمونه</a:t>
             </a:r>
-            <a:endParaRPr lang="en-US" altLang="fa-IR" smtClean="0"/>
+            <a:endParaRPr lang="en-US" altLang="fa-IR"/>
           </a:p>
         </p:txBody>
       </p:sp>
@@ -13381,7 +13348,7 @@
               </a:pPr>
               <a:t>12</a:t>
             </a:fld>
-            <a:endParaRPr lang="en-US" altLang="fa-IR" sz="1400" b="0" smtClean="0">
+            <a:endParaRPr lang="en-US" altLang="fa-IR" sz="1400" b="0">
               <a:cs typeface="Times New Roman" panose="02020603050405020304" pitchFamily="18" charset="0"/>
             </a:endParaRPr>
           </a:p>
@@ -13409,14 +13376,14 @@
           <a:p>
             <a:pPr eaLnBrk="1" hangingPunct="1"/>
             <a:r>
-              <a:rPr lang="en-US" altLang="fa-IR" smtClean="0"/>
+              <a:rPr lang="en-US" altLang="fa-IR"/>
               <a:t>Programmable Switch Matrix </a:t>
             </a:r>
             <a:br>
-              <a:rPr lang="en-US" altLang="fa-IR" smtClean="0"/>
+              <a:rPr lang="en-US" altLang="fa-IR"/>
             </a:br>
             <a:r>
-              <a:rPr lang="en-US" altLang="fa-IR" smtClean="0"/>
+              <a:rPr lang="en-US" altLang="fa-IR"/>
               <a:t>(PSM)</a:t>
             </a:r>
           </a:p>
@@ -17867,7 +17834,7 @@
               </a:pPr>
               <a:t>13</a:t>
             </a:fld>
-            <a:endParaRPr lang="en-US" altLang="fa-IR" sz="1400" b="0" smtClean="0">
+            <a:endParaRPr lang="en-US" altLang="fa-IR" sz="1400" b="0">
               <a:cs typeface="Times New Roman" panose="02020603050405020304" pitchFamily="18" charset="0"/>
             </a:endParaRPr>
           </a:p>
@@ -17895,7 +17862,7 @@
           <a:p>
             <a:pPr eaLnBrk="1" hangingPunct="1"/>
             <a:r>
-              <a:rPr lang="en-US" altLang="fa-IR" sz="5400" smtClean="0"/>
+              <a:rPr lang="en-US" altLang="fa-IR" sz="5400"/>
               <a:t>SRAM-Based FPGA</a:t>
             </a:r>
           </a:p>
@@ -31118,7 +31085,7 @@
 </file>
 
 <file path=ppt/slides/slide14.xml><?xml version="1.0" encoding="utf-8"?>
-<p:sld xmlns:a="http://schemas.openxmlformats.org/drawingml/2006/main" xmlns:r="http://schemas.openxmlformats.org/officeDocument/2006/relationships" xmlns:p="http://schemas.openxmlformats.org/presentationml/2006/main" show="0">
+<p:sld xmlns:a="http://schemas.openxmlformats.org/drawingml/2006/main" xmlns:r="http://schemas.openxmlformats.org/officeDocument/2006/relationships" xmlns:p="http://schemas.openxmlformats.org/presentationml/2006/main">
   <p:cSld>
     <p:spTree>
       <p:nvGrpSpPr>
@@ -31308,7 +31275,7 @@
               <a:buFontTx/>
               <a:buNone/>
             </a:pPr>
-            <a:endParaRPr lang="fa-IR" altLang="fa-IR" sz="1400" b="0" smtClean="0"/>
+            <a:endParaRPr lang="fa-IR" altLang="fa-IR" sz="1400" b="0"/>
           </a:p>
         </p:txBody>
       </p:sp>
@@ -31499,7 +31466,7 @@
               </a:pPr>
               <a:t>14</a:t>
             </a:fld>
-            <a:endParaRPr lang="en-US" altLang="fa-IR" sz="1400" b="0" smtClean="0">
+            <a:endParaRPr lang="en-US" altLang="fa-IR" sz="1400" b="0">
               <a:cs typeface="Times New Roman" panose="02020603050405020304" pitchFamily="18" charset="0"/>
             </a:endParaRPr>
           </a:p>
@@ -31522,7 +31489,7 @@
           <a:p>
             <a:pPr rtl="1" eaLnBrk="1" hangingPunct="1"/>
             <a:r>
-              <a:rPr lang="en-US" altLang="fa-IR" smtClean="0"/>
+              <a:rPr lang="en-US" altLang="fa-IR"/>
               <a:t>Design Cycle for FPGAs</a:t>
             </a:r>
           </a:p>
@@ -31588,18 +31555,11 @@
     <a:masterClrMapping/>
   </p:clrMapOvr>
   <p:transition spd="slow"/>
-  <p:timing>
-    <p:tnLst>
-      <p:par>
-        <p:cTn id="1" dur="indefinite" restart="never" nodeType="tmRoot"/>
-      </p:par>
-    </p:tnLst>
-  </p:timing>
 </p:sld>
 </file>
 
 <file path=ppt/slides/slide15.xml><?xml version="1.0" encoding="utf-8"?>
-<p:sld xmlns:a="http://schemas.openxmlformats.org/drawingml/2006/main" xmlns:r="http://schemas.openxmlformats.org/officeDocument/2006/relationships" xmlns:p="http://schemas.openxmlformats.org/presentationml/2006/main" show="0">
+<p:sld xmlns:a="http://schemas.openxmlformats.org/drawingml/2006/main" xmlns:r="http://schemas.openxmlformats.org/officeDocument/2006/relationships" xmlns:p="http://schemas.openxmlformats.org/presentationml/2006/main">
   <p:cSld>
     <p:spTree>
       <p:nvGrpSpPr>
@@ -31789,7 +31749,7 @@
               <a:buFontTx/>
               <a:buNone/>
             </a:pPr>
-            <a:endParaRPr lang="fa-IR" altLang="fa-IR" sz="1400" b="0" smtClean="0"/>
+            <a:endParaRPr lang="fa-IR" altLang="fa-IR" sz="1400" b="0"/>
           </a:p>
         </p:txBody>
       </p:sp>
@@ -31980,7 +31940,7 @@
               </a:pPr>
               <a:t>15</a:t>
             </a:fld>
-            <a:endParaRPr lang="en-US" altLang="fa-IR" sz="1400" b="0" smtClean="0">
+            <a:endParaRPr lang="en-US" altLang="fa-IR" sz="1400" b="0">
               <a:cs typeface="Times New Roman" panose="02020603050405020304" pitchFamily="18" charset="0"/>
             </a:endParaRPr>
           </a:p>
@@ -32003,7 +31963,7 @@
           <a:p>
             <a:pPr eaLnBrk="1" hangingPunct="1"/>
             <a:r>
-              <a:rPr lang="en-US" altLang="fa-IR" smtClean="0"/>
+              <a:rPr lang="en-US" altLang="fa-IR"/>
               <a:t>FPGA Placement &amp; Routing</a:t>
             </a:r>
           </a:p>
@@ -32251,18 +32211,11 @@
     <a:masterClrMapping/>
   </p:clrMapOvr>
   <p:transition spd="slow"/>
-  <p:timing>
-    <p:tnLst>
-      <p:par>
-        <p:cTn id="1" dur="indefinite" restart="never" nodeType="tmRoot"/>
-      </p:par>
-    </p:tnLst>
-  </p:timing>
 </p:sld>
 </file>
 
 <file path=ppt/slides/slide16.xml><?xml version="1.0" encoding="utf-8"?>
-<p:sld xmlns:a="http://schemas.openxmlformats.org/drawingml/2006/main" xmlns:r="http://schemas.openxmlformats.org/officeDocument/2006/relationships" xmlns:p="http://schemas.openxmlformats.org/presentationml/2006/main" show="0">
+<p:sld xmlns:a="http://schemas.openxmlformats.org/drawingml/2006/main" xmlns:r="http://schemas.openxmlformats.org/officeDocument/2006/relationships" xmlns:p="http://schemas.openxmlformats.org/presentationml/2006/main">
   <p:cSld>
     <p:spTree>
       <p:nvGrpSpPr>
@@ -32452,7 +32405,7 @@
               <a:buFontTx/>
               <a:buNone/>
             </a:pPr>
-            <a:endParaRPr lang="fa-IR" altLang="fa-IR" sz="1400" b="0" smtClean="0"/>
+            <a:endParaRPr lang="fa-IR" altLang="fa-IR" sz="1400" b="0"/>
           </a:p>
         </p:txBody>
       </p:sp>
@@ -32643,7 +32596,7 @@
               </a:pPr>
               <a:t>16</a:t>
             </a:fld>
-            <a:endParaRPr lang="en-US" altLang="fa-IR" sz="1400" b="0" smtClean="0">
+            <a:endParaRPr lang="en-US" altLang="fa-IR" sz="1400" b="0">
               <a:cs typeface="Times New Roman" panose="02020603050405020304" pitchFamily="18" charset="0"/>
             </a:endParaRPr>
           </a:p>
@@ -32666,7 +32619,7 @@
           <a:p>
             <a:pPr eaLnBrk="1" hangingPunct="1"/>
             <a:r>
-              <a:rPr lang="en-US" altLang="fa-IR" smtClean="0"/>
+              <a:rPr lang="en-US" altLang="fa-IR"/>
               <a:t>Field Programmable Gate Array (FPGA)</a:t>
             </a:r>
           </a:p>
@@ -32732,18 +32685,11 @@
     <a:masterClrMapping/>
   </p:clrMapOvr>
   <p:transition spd="slow"/>
-  <p:timing>
-    <p:tnLst>
-      <p:par>
-        <p:cTn id="1" dur="indefinite" restart="never" nodeType="tmRoot"/>
-      </p:par>
-    </p:tnLst>
-  </p:timing>
 </p:sld>
 </file>
 
 <file path=ppt/slides/slide17.xml><?xml version="1.0" encoding="utf-8"?>
-<p:sld xmlns:a="http://schemas.openxmlformats.org/drawingml/2006/main" xmlns:r="http://schemas.openxmlformats.org/officeDocument/2006/relationships" xmlns:p="http://schemas.openxmlformats.org/presentationml/2006/main" show="0">
+<p:sld xmlns:a="http://schemas.openxmlformats.org/drawingml/2006/main" xmlns:r="http://schemas.openxmlformats.org/officeDocument/2006/relationships" xmlns:p="http://schemas.openxmlformats.org/presentationml/2006/main">
   <p:cSld>
     <p:spTree>
       <p:nvGrpSpPr>
@@ -32780,7 +32726,7 @@
           <a:lstStyle/>
           <a:p>
             <a:r>
-              <a:rPr lang="en-US" altLang="fa-IR" smtClean="0"/>
+              <a:rPr lang="en-US" altLang="fa-IR"/>
               <a:t>Modern FPGA Architecture</a:t>
             </a:r>
           </a:p>
@@ -32960,7 +32906,7 @@
               <a:buFontTx/>
               <a:buNone/>
             </a:pPr>
-            <a:endParaRPr lang="fa-IR" altLang="fa-IR" sz="1400" b="0" smtClean="0"/>
+            <a:endParaRPr lang="fa-IR" altLang="fa-IR" sz="1400" b="0"/>
           </a:p>
         </p:txBody>
       </p:sp>
@@ -33151,7 +33097,7 @@
               </a:pPr>
               <a:t>17</a:t>
             </a:fld>
-            <a:endParaRPr lang="en-US" altLang="fa-IR" sz="1400" b="0" smtClean="0">
+            <a:endParaRPr lang="en-US" altLang="fa-IR" sz="1400" b="0">
               <a:cs typeface="Times New Roman" panose="02020603050405020304" pitchFamily="18" charset="0"/>
             </a:endParaRPr>
           </a:p>
@@ -33528,7 +33474,7 @@
 </file>
 
 <file path=ppt/slides/slide2.xml><?xml version="1.0" encoding="utf-8"?>
-<p:sld xmlns:a="http://schemas.openxmlformats.org/drawingml/2006/main" xmlns:r="http://schemas.openxmlformats.org/officeDocument/2006/relationships" xmlns:p="http://schemas.openxmlformats.org/presentationml/2006/main" show="0">
+<p:sld xmlns:a="http://schemas.openxmlformats.org/drawingml/2006/main" xmlns:r="http://schemas.openxmlformats.org/officeDocument/2006/relationships" xmlns:p="http://schemas.openxmlformats.org/presentationml/2006/main">
   <p:cSld>
     <p:spTree>
       <p:nvGrpSpPr>
@@ -33719,18 +33665,18 @@
               <a:buNone/>
             </a:pPr>
             <a:r>
-              <a:rPr lang="fa-IR" altLang="fa-IR" sz="1400" b="0" smtClean="0"/>
+              <a:rPr lang="fa-IR" altLang="fa-IR" sz="1400" b="0"/>
               <a:t>مرتضي صاحب الزماني</a:t>
             </a:r>
             <a:r>
-              <a:rPr lang="en-US" altLang="fa-IR" sz="1400" b="0" smtClean="0"/>
+              <a:rPr lang="en-US" altLang="fa-IR" sz="1400" b="0"/>
               <a:t>             </a:t>
             </a:r>
             <a:r>
-              <a:rPr lang="fa-IR" altLang="fa-IR" sz="1400" b="0" smtClean="0"/>
+              <a:rPr lang="fa-IR" altLang="fa-IR" sz="1400" b="0"/>
               <a:t> </a:t>
             </a:r>
-            <a:endParaRPr lang="en-US" altLang="fa-IR" sz="1400" b="0" smtClean="0"/>
+            <a:endParaRPr lang="en-US" altLang="fa-IR" sz="1400" b="0"/>
           </a:p>
         </p:txBody>
       </p:sp>
@@ -33921,7 +33867,7 @@
               </a:pPr>
               <a:t>2</a:t>
             </a:fld>
-            <a:endParaRPr lang="en-US" altLang="fa-IR" sz="1400" b="0" smtClean="0">
+            <a:endParaRPr lang="en-US" altLang="fa-IR" sz="1400" b="0">
               <a:cs typeface="Times New Roman" panose="02020603050405020304" pitchFamily="18" charset="0"/>
             </a:endParaRPr>
           </a:p>
@@ -33949,10 +33895,10 @@
           <a:p>
             <a:pPr rtl="1" eaLnBrk="1" hangingPunct="1"/>
             <a:r>
-              <a:rPr lang="fa-IR" altLang="fa-IR" smtClean="0"/>
+              <a:rPr lang="fa-IR" altLang="fa-IR"/>
               <a:t>مدارهاي ديجيتال</a:t>
             </a:r>
-            <a:endParaRPr lang="en-US" altLang="fa-IR" smtClean="0"/>
+            <a:endParaRPr lang="en-US" altLang="fa-IR"/>
           </a:p>
         </p:txBody>
       </p:sp>
@@ -33972,7 +33918,7 @@
           <a:graphicData uri="http://schemas.openxmlformats.org/presentationml/2006/ole">
             <mc:AlternateContent xmlns:mc="http://schemas.openxmlformats.org/markup-compatibility/2006">
               <mc:Choice xmlns:v="urn:schemas-microsoft-com:vml" Requires="v">
-                <p:oleObj spid="_x0000_s13319" name="Microsoft Draw Drawing" r:id="rId4" imgW="5326380" imgH="2308860" progId="MSDraw.Drawing.8.2">
+                <p:oleObj spid="_x0000_s13320" name="Microsoft Draw Drawing" r:id="rId4" imgW="5326380" imgH="2308860" progId="MSDraw.Drawing.8.2">
                   <p:embed/>
                 </p:oleObj>
               </mc:Choice>
@@ -34235,13 +34181,6 @@
     <a:masterClrMapping/>
   </p:clrMapOvr>
   <p:transition spd="slow"/>
-  <p:timing>
-    <p:tnLst>
-      <p:par>
-        <p:cTn id="1" dur="indefinite" restart="never" nodeType="tmRoot"/>
-      </p:par>
-    </p:tnLst>
-  </p:timing>
 </p:sld>
 </file>
 
@@ -34437,18 +34376,18 @@
               <a:buNone/>
             </a:pPr>
             <a:r>
-              <a:rPr lang="fa-IR" altLang="fa-IR" sz="1400" b="0" smtClean="0"/>
+              <a:rPr lang="fa-IR" altLang="fa-IR" sz="1400" b="0"/>
               <a:t>مرتضي صاحب الزماني</a:t>
             </a:r>
             <a:r>
-              <a:rPr lang="en-US" altLang="fa-IR" sz="1400" b="0" smtClean="0"/>
+              <a:rPr lang="en-US" altLang="fa-IR" sz="1400" b="0"/>
               <a:t>             </a:t>
             </a:r>
             <a:r>
-              <a:rPr lang="fa-IR" altLang="fa-IR" sz="1400" b="0" smtClean="0"/>
+              <a:rPr lang="fa-IR" altLang="fa-IR" sz="1400" b="0"/>
               <a:t> </a:t>
             </a:r>
-            <a:endParaRPr lang="en-US" altLang="fa-IR" sz="1400" b="0" smtClean="0"/>
+            <a:endParaRPr lang="en-US" altLang="fa-IR" sz="1400" b="0"/>
           </a:p>
         </p:txBody>
       </p:sp>
@@ -34639,7 +34578,7 @@
               </a:pPr>
               <a:t>3</a:t>
             </a:fld>
-            <a:endParaRPr lang="en-US" altLang="fa-IR" sz="1400" b="0" smtClean="0">
+            <a:endParaRPr lang="en-US" altLang="fa-IR" sz="1400" b="0">
               <a:cs typeface="Times New Roman" panose="02020603050405020304" pitchFamily="18" charset="0"/>
             </a:endParaRPr>
           </a:p>
@@ -34662,7 +34601,7 @@
           <a:p>
             <a:pPr eaLnBrk="1" hangingPunct="1"/>
             <a:r>
-              <a:rPr lang="en-US" altLang="fa-IR" smtClean="0"/>
+              <a:rPr lang="en-US" altLang="fa-IR"/>
               <a:t>Simple PLD (SPLD)</a:t>
             </a:r>
           </a:p>
@@ -35115,13 +35054,6 @@
     <a:masterClrMapping/>
   </p:clrMapOvr>
   <p:transition spd="slow"/>
-  <p:timing>
-    <p:tnLst>
-      <p:par>
-        <p:cTn id="1" dur="indefinite" restart="never" nodeType="tmRoot"/>
-      </p:par>
-    </p:tnLst>
-  </p:timing>
 </p:sld>
 </file>
 
@@ -35317,18 +35249,18 @@
               <a:buNone/>
             </a:pPr>
             <a:r>
-              <a:rPr lang="fa-IR" altLang="fa-IR" sz="1400" b="0" smtClean="0"/>
+              <a:rPr lang="fa-IR" altLang="fa-IR" sz="1400" b="0"/>
               <a:t>مرتضي صاحب الزماني</a:t>
             </a:r>
             <a:r>
-              <a:rPr lang="en-US" altLang="fa-IR" sz="1400" b="0" smtClean="0"/>
+              <a:rPr lang="en-US" altLang="fa-IR" sz="1400" b="0"/>
               <a:t>             </a:t>
             </a:r>
             <a:r>
-              <a:rPr lang="fa-IR" altLang="fa-IR" sz="1400" b="0" smtClean="0"/>
+              <a:rPr lang="fa-IR" altLang="fa-IR" sz="1400" b="0"/>
               <a:t> </a:t>
             </a:r>
-            <a:endParaRPr lang="en-US" altLang="fa-IR" sz="1400" b="0" smtClean="0"/>
+            <a:endParaRPr lang="en-US" altLang="fa-IR" sz="1400" b="0"/>
           </a:p>
         </p:txBody>
       </p:sp>
@@ -35519,7 +35451,7 @@
               </a:pPr>
               <a:t>4</a:t>
             </a:fld>
-            <a:endParaRPr lang="en-US" altLang="fa-IR" sz="1400" b="0" smtClean="0">
+            <a:endParaRPr lang="en-US" altLang="fa-IR" sz="1400" b="0">
               <a:cs typeface="Times New Roman" panose="02020603050405020304" pitchFamily="18" charset="0"/>
             </a:endParaRPr>
           </a:p>
@@ -35542,7 +35474,7 @@
           <a:p>
             <a:pPr eaLnBrk="1" hangingPunct="1"/>
             <a:r>
-              <a:rPr lang="en-US" altLang="fa-IR" smtClean="0"/>
+              <a:rPr lang="en-US" altLang="fa-IR"/>
               <a:t>PAL 16R8</a:t>
             </a:r>
           </a:p>
@@ -35608,13 +35540,6 @@
     <a:masterClrMapping/>
   </p:clrMapOvr>
   <p:transition spd="slow"/>
-  <p:timing>
-    <p:tnLst>
-      <p:par>
-        <p:cTn id="1" dur="indefinite" restart="never" nodeType="tmRoot"/>
-      </p:par>
-    </p:tnLst>
-  </p:timing>
 </p:sld>
 </file>
 
@@ -35810,18 +35735,18 @@
               <a:buNone/>
             </a:pPr>
             <a:r>
-              <a:rPr lang="fa-IR" altLang="fa-IR" sz="1400" b="0" smtClean="0"/>
+              <a:rPr lang="fa-IR" altLang="fa-IR" sz="1400" b="0"/>
               <a:t>مرتضي صاحب الزماني</a:t>
             </a:r>
             <a:r>
-              <a:rPr lang="en-US" altLang="fa-IR" sz="1400" b="0" smtClean="0"/>
+              <a:rPr lang="en-US" altLang="fa-IR" sz="1400" b="0"/>
               <a:t>             </a:t>
             </a:r>
             <a:r>
-              <a:rPr lang="fa-IR" altLang="fa-IR" sz="1400" b="0" smtClean="0"/>
+              <a:rPr lang="fa-IR" altLang="fa-IR" sz="1400" b="0"/>
               <a:t> </a:t>
             </a:r>
-            <a:endParaRPr lang="en-US" altLang="fa-IR" sz="1400" b="0" smtClean="0"/>
+            <a:endParaRPr lang="en-US" altLang="fa-IR" sz="1400" b="0"/>
           </a:p>
         </p:txBody>
       </p:sp>
@@ -36012,7 +35937,7 @@
               </a:pPr>
               <a:t>5</a:t>
             </a:fld>
-            <a:endParaRPr lang="en-US" altLang="fa-IR" sz="1400" b="0" smtClean="0">
+            <a:endParaRPr lang="en-US" altLang="fa-IR" sz="1400" b="0">
               <a:cs typeface="Times New Roman" panose="02020603050405020304" pitchFamily="18" charset="0"/>
             </a:endParaRPr>
           </a:p>
@@ -36035,7 +35960,7 @@
           <a:p>
             <a:pPr eaLnBrk="1" hangingPunct="1"/>
             <a:r>
-              <a:rPr lang="en-US" altLang="fa-IR" smtClean="0"/>
+              <a:rPr lang="en-US" altLang="fa-IR"/>
               <a:t>CPLD</a:t>
             </a:r>
           </a:p>
@@ -36311,13 +36236,6 @@
     <a:masterClrMapping/>
   </p:clrMapOvr>
   <p:transition spd="slow"/>
-  <p:timing>
-    <p:tnLst>
-      <p:par>
-        <p:cTn id="1" dur="indefinite" restart="never" nodeType="tmRoot"/>
-      </p:par>
-    </p:tnLst>
-  </p:timing>
 </p:sld>
 </file>
 
@@ -36513,18 +36431,18 @@
               <a:buNone/>
             </a:pPr>
             <a:r>
-              <a:rPr lang="fa-IR" altLang="fa-IR" sz="1400" b="0" smtClean="0"/>
+              <a:rPr lang="fa-IR" altLang="fa-IR" sz="1400" b="0"/>
               <a:t>مرتضي صاحب الزماني</a:t>
             </a:r>
             <a:r>
-              <a:rPr lang="en-US" altLang="fa-IR" sz="1400" b="0" smtClean="0"/>
+              <a:rPr lang="en-US" altLang="fa-IR" sz="1400" b="0"/>
               <a:t>             </a:t>
             </a:r>
             <a:r>
-              <a:rPr lang="fa-IR" altLang="fa-IR" sz="1400" b="0" smtClean="0"/>
+              <a:rPr lang="fa-IR" altLang="fa-IR" sz="1400" b="0"/>
               <a:t> </a:t>
             </a:r>
-            <a:endParaRPr lang="en-US" altLang="fa-IR" sz="1400" b="0" smtClean="0"/>
+            <a:endParaRPr lang="en-US" altLang="fa-IR" sz="1400" b="0"/>
           </a:p>
         </p:txBody>
       </p:sp>
@@ -36715,7 +36633,7 @@
               </a:pPr>
               <a:t>6</a:t>
             </a:fld>
-            <a:endParaRPr lang="en-US" altLang="fa-IR" sz="1400" b="0" smtClean="0">
+            <a:endParaRPr lang="en-US" altLang="fa-IR" sz="1400" b="0">
               <a:cs typeface="Times New Roman" panose="02020603050405020304" pitchFamily="18" charset="0"/>
             </a:endParaRPr>
           </a:p>
@@ -36738,11 +36656,11 @@
           <a:p>
             <a:pPr rtl="1" eaLnBrk="1" hangingPunct="1"/>
             <a:r>
-              <a:rPr lang="fa-IR" altLang="fa-IR" smtClean="0"/>
+              <a:rPr lang="fa-IR" altLang="fa-IR"/>
               <a:t>بخشي از </a:t>
             </a:r>
             <a:r>
-              <a:rPr lang="en-US" altLang="fa-IR" smtClean="0"/>
+              <a:rPr lang="en-US" altLang="fa-IR"/>
               <a:t>CPLD</a:t>
             </a:r>
           </a:p>
@@ -36808,13 +36726,6 @@
     <a:masterClrMapping/>
   </p:clrMapOvr>
   <p:transition spd="slow"/>
-  <p:timing>
-    <p:tnLst>
-      <p:par>
-        <p:cTn id="1" dur="indefinite" restart="never" nodeType="tmRoot"/>
-      </p:par>
-    </p:tnLst>
-  </p:timing>
 </p:sld>
 </file>
 
@@ -37009,7 +36920,7 @@
               <a:buFontTx/>
               <a:buNone/>
             </a:pPr>
-            <a:endParaRPr lang="fa-IR" altLang="fa-IR" sz="1400" b="0" smtClean="0"/>
+            <a:endParaRPr lang="fa-IR" altLang="fa-IR" sz="1400" b="0"/>
           </a:p>
         </p:txBody>
       </p:sp>
@@ -37200,7 +37111,7 @@
               </a:pPr>
               <a:t>7</a:t>
             </a:fld>
-            <a:endParaRPr lang="en-US" altLang="fa-IR" sz="1400" b="0" smtClean="0">
+            <a:endParaRPr lang="en-US" altLang="fa-IR" sz="1400" b="0">
               <a:cs typeface="Times New Roman" panose="02020603050405020304" pitchFamily="18" charset="0"/>
             </a:endParaRPr>
           </a:p>
@@ -37223,11 +37134,11 @@
           <a:p>
             <a:pPr rtl="1" eaLnBrk="1" hangingPunct="1"/>
             <a:r>
-              <a:rPr lang="fa-IR" altLang="fa-IR" smtClean="0"/>
+              <a:rPr lang="fa-IR" altLang="fa-IR"/>
               <a:t>ساختار </a:t>
             </a:r>
             <a:r>
-              <a:rPr lang="en-US" altLang="fa-IR" smtClean="0"/>
+              <a:rPr lang="en-US" altLang="fa-IR"/>
               <a:t>FPGA</a:t>
             </a:r>
           </a:p>
@@ -37292,13 +37203,6 @@
   <p:clrMapOvr>
     <a:masterClrMapping/>
   </p:clrMapOvr>
-  <p:timing>
-    <p:tnLst>
-      <p:par>
-        <p:cTn id="1" dur="indefinite" restart="never" nodeType="tmRoot"/>
-      </p:par>
-    </p:tnLst>
-  </p:timing>
 </p:sld>
 </file>
 
@@ -37335,7 +37239,7 @@
           <a:lstStyle/>
           <a:p>
             <a:r>
-              <a:rPr lang="en-US" altLang="fa-IR" smtClean="0"/>
+              <a:rPr lang="en-US" altLang="fa-IR"/>
               <a:t>Logic Cell</a:t>
             </a:r>
           </a:p>
@@ -37515,7 +37419,7 @@
               <a:buFontTx/>
               <a:buNone/>
             </a:pPr>
-            <a:endParaRPr lang="fa-IR" altLang="fa-IR" sz="1400" b="0" smtClean="0"/>
+            <a:endParaRPr lang="fa-IR" altLang="fa-IR" sz="1400" b="0"/>
           </a:p>
         </p:txBody>
       </p:sp>
@@ -37706,7 +37610,7 @@
               </a:pPr>
               <a:t>8</a:t>
             </a:fld>
-            <a:endParaRPr lang="en-US" altLang="fa-IR" sz="1400" b="0" smtClean="0">
+            <a:endParaRPr lang="en-US" altLang="fa-IR" sz="1400" b="0">
               <a:cs typeface="Times New Roman" panose="02020603050405020304" pitchFamily="18" charset="0"/>
             </a:endParaRPr>
           </a:p>
@@ -38151,13 +38055,6 @@
   <p:clrMapOvr>
     <a:masterClrMapping/>
   </p:clrMapOvr>
-  <p:timing>
-    <p:tnLst>
-      <p:par>
-        <p:cTn id="1" dur="indefinite" restart="never" nodeType="tmRoot"/>
-      </p:par>
-    </p:tnLst>
-  </p:timing>
 </p:sld>
 </file>
 
@@ -38352,7 +38249,7 @@
               <a:buFontTx/>
               <a:buNone/>
             </a:pPr>
-            <a:endParaRPr lang="fa-IR" altLang="fa-IR" sz="1400" b="0" smtClean="0"/>
+            <a:endParaRPr lang="fa-IR" altLang="fa-IR" sz="1400" b="0"/>
           </a:p>
         </p:txBody>
       </p:sp>
@@ -38543,7 +38440,7 @@
               </a:pPr>
               <a:t>9</a:t>
             </a:fld>
-            <a:endParaRPr lang="en-US" altLang="fa-IR" sz="1400" b="0" smtClean="0">
+            <a:endParaRPr lang="en-US" altLang="fa-IR" sz="1400" b="0">
               <a:cs typeface="Times New Roman" panose="02020603050405020304" pitchFamily="18" charset="0"/>
             </a:endParaRPr>
           </a:p>
@@ -38566,7 +38463,7 @@
           <a:p>
             <a:pPr eaLnBrk="1" hangingPunct="1"/>
             <a:r>
-              <a:rPr lang="en-US" altLang="fa-IR" smtClean="0"/>
+              <a:rPr lang="en-US" altLang="fa-IR"/>
               <a:t>LUT</a:t>
             </a:r>
           </a:p>
@@ -38821,13 +38718,6 @@
   <p:clrMapOvr>
     <a:masterClrMapping/>
   </p:clrMapOvr>
-  <p:timing>
-    <p:tnLst>
-      <p:par>
-        <p:cTn id="1" dur="indefinite" restart="never" nodeType="tmRoot"/>
-      </p:par>
-    </p:tnLst>
-  </p:timing>
 </p:sld>
 </file>
 
